--- a/presentation v1.pptx
+++ b/presentation v1.pptx
@@ -115,6 +115,11 @@
       </a:defRPr>
     </a:lvl9pPr>
   </p:defaultTextStyle>
+  <p:extLst>
+    <p:ext uri="{EFAFB233-063F-42B5-8137-9DF3F51BA10A}">
+      <p15:sldGuideLst xmlns:p15="http://schemas.microsoft.com/office/powerpoint/2012/main"/>
+    </p:ext>
+  </p:extLst>
 </p:presentation>
 </file>
 
@@ -265,7 +270,7 @@
           <a:p>
             <a:fld id="{7AED20EE-3691-47F5-BE3F-327B07613B11}" type="datetimeFigureOut">
               <a:rPr lang="en-US" smtClean="0"/>
-              <a:t>12/10/2024</a:t>
+              <a:t>12/11/2024</a:t>
             </a:fld>
             <a:endParaRPr lang="en-US"/>
           </a:p>
@@ -463,7 +468,7 @@
           <a:p>
             <a:fld id="{7AED20EE-3691-47F5-BE3F-327B07613B11}" type="datetimeFigureOut">
               <a:rPr lang="en-US" smtClean="0"/>
-              <a:t>12/10/2024</a:t>
+              <a:t>12/11/2024</a:t>
             </a:fld>
             <a:endParaRPr lang="en-US"/>
           </a:p>
@@ -671,7 +676,7 @@
           <a:p>
             <a:fld id="{7AED20EE-3691-47F5-BE3F-327B07613B11}" type="datetimeFigureOut">
               <a:rPr lang="en-US" smtClean="0"/>
-              <a:t>12/10/2024</a:t>
+              <a:t>12/11/2024</a:t>
             </a:fld>
             <a:endParaRPr lang="en-US"/>
           </a:p>
@@ -869,7 +874,7 @@
           <a:p>
             <a:fld id="{7AED20EE-3691-47F5-BE3F-327B07613B11}" type="datetimeFigureOut">
               <a:rPr lang="en-US" smtClean="0"/>
-              <a:t>12/10/2024</a:t>
+              <a:t>12/11/2024</a:t>
             </a:fld>
             <a:endParaRPr lang="en-US"/>
           </a:p>
@@ -1144,7 +1149,7 @@
           <a:p>
             <a:fld id="{7AED20EE-3691-47F5-BE3F-327B07613B11}" type="datetimeFigureOut">
               <a:rPr lang="en-US" smtClean="0"/>
-              <a:t>12/10/2024</a:t>
+              <a:t>12/11/2024</a:t>
             </a:fld>
             <a:endParaRPr lang="en-US"/>
           </a:p>
@@ -1409,7 +1414,7 @@
           <a:p>
             <a:fld id="{7AED20EE-3691-47F5-BE3F-327B07613B11}" type="datetimeFigureOut">
               <a:rPr lang="en-US" smtClean="0"/>
-              <a:t>12/10/2024</a:t>
+              <a:t>12/11/2024</a:t>
             </a:fld>
             <a:endParaRPr lang="en-US"/>
           </a:p>
@@ -1821,7 +1826,7 @@
           <a:p>
             <a:fld id="{7AED20EE-3691-47F5-BE3F-327B07613B11}" type="datetimeFigureOut">
               <a:rPr lang="en-US" smtClean="0"/>
-              <a:t>12/10/2024</a:t>
+              <a:t>12/11/2024</a:t>
             </a:fld>
             <a:endParaRPr lang="en-US"/>
           </a:p>
@@ -1962,7 +1967,7 @@
           <a:p>
             <a:fld id="{7AED20EE-3691-47F5-BE3F-327B07613B11}" type="datetimeFigureOut">
               <a:rPr lang="en-US" smtClean="0"/>
-              <a:t>12/10/2024</a:t>
+              <a:t>12/11/2024</a:t>
             </a:fld>
             <a:endParaRPr lang="en-US"/>
           </a:p>
@@ -2075,7 +2080,7 @@
           <a:p>
             <a:fld id="{7AED20EE-3691-47F5-BE3F-327B07613B11}" type="datetimeFigureOut">
               <a:rPr lang="en-US" smtClean="0"/>
-              <a:t>12/10/2024</a:t>
+              <a:t>12/11/2024</a:t>
             </a:fld>
             <a:endParaRPr lang="en-US"/>
           </a:p>
@@ -2386,7 +2391,7 @@
           <a:p>
             <a:fld id="{7AED20EE-3691-47F5-BE3F-327B07613B11}" type="datetimeFigureOut">
               <a:rPr lang="en-US" smtClean="0"/>
-              <a:t>12/10/2024</a:t>
+              <a:t>12/11/2024</a:t>
             </a:fld>
             <a:endParaRPr lang="en-US"/>
           </a:p>
@@ -2674,7 +2679,7 @@
           <a:p>
             <a:fld id="{7AED20EE-3691-47F5-BE3F-327B07613B11}" type="datetimeFigureOut">
               <a:rPr lang="en-US" smtClean="0"/>
-              <a:t>12/10/2024</a:t>
+              <a:t>12/11/2024</a:t>
             </a:fld>
             <a:endParaRPr lang="en-US"/>
           </a:p>
@@ -2915,7 +2920,7 @@
           <a:p>
             <a:fld id="{7AED20EE-3691-47F5-BE3F-327B07613B11}" type="datetimeFigureOut">
               <a:rPr lang="en-US" smtClean="0"/>
-              <a:t>12/10/2024</a:t>
+              <a:t>12/11/2024</a:t>
             </a:fld>
             <a:endParaRPr lang="en-US"/>
           </a:p>
@@ -4502,7 +4507,7 @@
                 <a:latin typeface="Times New Roman" panose="02020603050405020304" pitchFamily="18" charset="0"/>
                 <a:cs typeface="Times New Roman" panose="02020603050405020304" pitchFamily="18" charset="0"/>
               </a:rPr>
-              <a:t>Surprisingly, the TN UZA’s perform well when measured by cost per trip or per mile.</a:t>
+              <a:t>Surprisingly, the Nashville UZA’s perform well when measured by cost per trip or per mile.</a:t>
             </a:r>
           </a:p>
           <a:p>
